--- a/how2heap/house_of_orange/house_of_orange.pptx
+++ b/how2heap/house_of_orange/house_of_orange.pptx
@@ -20,9 +20,8 @@
     <p:sldId id="336" r:id="rId14"/>
     <p:sldId id="335" r:id="rId15"/>
     <p:sldId id="326" r:id="rId16"/>
-    <p:sldId id="328" r:id="rId17"/>
-    <p:sldId id="329" r:id="rId18"/>
-    <p:sldId id="330" r:id="rId19"/>
+    <p:sldId id="342" r:id="rId17"/>
+    <p:sldId id="330" r:id="rId18"/>
   </p:sldIdLst>
   <p:sldSz cx="12192000" cy="6858000"/>
   <p:notesSz cx="6858000" cy="9144000"/>
@@ -260,7 +259,7 @@
           <a:p>
             <a:fld id="{867CF7D2-9367-45E5-B2E7-A967028F5BE8}" type="datetimeFigureOut">
               <a:rPr lang="zh-CN" altLang="en-US" smtClean="0"/>
-              <a:t>2025/5/20</a:t>
+              <a:t>2025/5/31</a:t>
             </a:fld>
             <a:endParaRPr lang="zh-CN" altLang="en-US"/>
           </a:p>
@@ -430,7 +429,7 @@
           <a:p>
             <a:fld id="{867CF7D2-9367-45E5-B2E7-A967028F5BE8}" type="datetimeFigureOut">
               <a:rPr lang="zh-CN" altLang="en-US" smtClean="0"/>
-              <a:t>2025/5/20</a:t>
+              <a:t>2025/5/31</a:t>
             </a:fld>
             <a:endParaRPr lang="zh-CN" altLang="en-US"/>
           </a:p>
@@ -610,7 +609,7 @@
           <a:p>
             <a:fld id="{867CF7D2-9367-45E5-B2E7-A967028F5BE8}" type="datetimeFigureOut">
               <a:rPr lang="zh-CN" altLang="en-US" smtClean="0"/>
-              <a:t>2025/5/20</a:t>
+              <a:t>2025/5/31</a:t>
             </a:fld>
             <a:endParaRPr lang="zh-CN" altLang="en-US"/>
           </a:p>
@@ -780,7 +779,7 @@
           <a:p>
             <a:fld id="{867CF7D2-9367-45E5-B2E7-A967028F5BE8}" type="datetimeFigureOut">
               <a:rPr lang="zh-CN" altLang="en-US" smtClean="0"/>
-              <a:t>2025/5/20</a:t>
+              <a:t>2025/5/31</a:t>
             </a:fld>
             <a:endParaRPr lang="zh-CN" altLang="en-US"/>
           </a:p>
@@ -1026,7 +1025,7 @@
           <a:p>
             <a:fld id="{867CF7D2-9367-45E5-B2E7-A967028F5BE8}" type="datetimeFigureOut">
               <a:rPr lang="zh-CN" altLang="en-US" smtClean="0"/>
-              <a:t>2025/5/20</a:t>
+              <a:t>2025/5/31</a:t>
             </a:fld>
             <a:endParaRPr lang="zh-CN" altLang="en-US"/>
           </a:p>
@@ -1258,7 +1257,7 @@
           <a:p>
             <a:fld id="{867CF7D2-9367-45E5-B2E7-A967028F5BE8}" type="datetimeFigureOut">
               <a:rPr lang="zh-CN" altLang="en-US" smtClean="0"/>
-              <a:t>2025/5/20</a:t>
+              <a:t>2025/5/31</a:t>
             </a:fld>
             <a:endParaRPr lang="zh-CN" altLang="en-US"/>
           </a:p>
@@ -1625,7 +1624,7 @@
           <a:p>
             <a:fld id="{867CF7D2-9367-45E5-B2E7-A967028F5BE8}" type="datetimeFigureOut">
               <a:rPr lang="zh-CN" altLang="en-US" smtClean="0"/>
-              <a:t>2025/5/20</a:t>
+              <a:t>2025/5/31</a:t>
             </a:fld>
             <a:endParaRPr lang="zh-CN" altLang="en-US"/>
           </a:p>
@@ -1743,7 +1742,7 @@
           <a:p>
             <a:fld id="{867CF7D2-9367-45E5-B2E7-A967028F5BE8}" type="datetimeFigureOut">
               <a:rPr lang="zh-CN" altLang="en-US" smtClean="0"/>
-              <a:t>2025/5/20</a:t>
+              <a:t>2025/5/31</a:t>
             </a:fld>
             <a:endParaRPr lang="zh-CN" altLang="en-US"/>
           </a:p>
@@ -1838,7 +1837,7 @@
           <a:p>
             <a:fld id="{867CF7D2-9367-45E5-B2E7-A967028F5BE8}" type="datetimeFigureOut">
               <a:rPr lang="zh-CN" altLang="en-US" smtClean="0"/>
-              <a:t>2025/5/20</a:t>
+              <a:t>2025/5/31</a:t>
             </a:fld>
             <a:endParaRPr lang="zh-CN" altLang="en-US"/>
           </a:p>
@@ -2115,7 +2114,7 @@
           <a:p>
             <a:fld id="{867CF7D2-9367-45E5-B2E7-A967028F5BE8}" type="datetimeFigureOut">
               <a:rPr lang="zh-CN" altLang="en-US" smtClean="0"/>
-              <a:t>2025/5/20</a:t>
+              <a:t>2025/5/31</a:t>
             </a:fld>
             <a:endParaRPr lang="zh-CN" altLang="en-US"/>
           </a:p>
@@ -2368,7 +2367,7 @@
           <a:p>
             <a:fld id="{867CF7D2-9367-45E5-B2E7-A967028F5BE8}" type="datetimeFigureOut">
               <a:rPr lang="zh-CN" altLang="en-US" smtClean="0"/>
-              <a:t>2025/5/20</a:t>
+              <a:t>2025/5/31</a:t>
             </a:fld>
             <a:endParaRPr lang="zh-CN" altLang="en-US"/>
           </a:p>
@@ -2581,7 +2580,7 @@
           <a:p>
             <a:fld id="{867CF7D2-9367-45E5-B2E7-A967028F5BE8}" type="datetimeFigureOut">
               <a:rPr lang="zh-CN" altLang="en-US" smtClean="0"/>
-              <a:t>2025/5/20</a:t>
+              <a:t>2025/5/31</a:t>
             </a:fld>
             <a:endParaRPr lang="zh-CN" altLang="en-US"/>
           </a:p>
@@ -3457,7 +3456,7 @@
       </p:grpSpPr>
       <p:pic>
         <p:nvPicPr>
-          <p:cNvPr id="4" name="图片 3"/>
+          <p:cNvPr id="6" name="图片 5"/>
           <p:cNvPicPr>
             <a:picLocks noChangeAspect="1"/>
           </p:cNvPicPr>
@@ -3488,7 +3487,7 @@
     </p:spTree>
     <p:extLst>
       <p:ext uri="{BB962C8B-B14F-4D97-AF65-F5344CB8AC3E}">
-        <p14:creationId xmlns:p14="http://schemas.microsoft.com/office/powerpoint/2010/main" val="2044971199"/>
+        <p14:creationId xmlns:p14="http://schemas.microsoft.com/office/powerpoint/2010/main" val="1914669541"/>
       </p:ext>
     </p:extLst>
   </p:cSld>
@@ -3524,74 +3523,7 @@
       </p:grpSpPr>
       <p:pic>
         <p:nvPicPr>
-          <p:cNvPr id="5" name="图片 4"/>
-          <p:cNvPicPr>
-            <a:picLocks noChangeAspect="1"/>
-          </p:cNvPicPr>
-          <p:nvPr/>
-        </p:nvPicPr>
-        <p:blipFill>
-          <a:blip r:embed="rId2">
-            <a:extLst>
-              <a:ext uri="{28A0092B-C50C-407E-A947-70E740481C1C}">
-                <a14:useLocalDpi xmlns:a14="http://schemas.microsoft.com/office/drawing/2010/main" val="0"/>
-              </a:ext>
-            </a:extLst>
-          </a:blip>
-          <a:stretch>
-            <a:fillRect/>
-          </a:stretch>
-        </p:blipFill>
-        <p:spPr>
-          <a:xfrm>
-            <a:off x="0" y="132411"/>
-            <a:ext cx="12192000" cy="6079524"/>
-          </a:xfrm>
-          <a:prstGeom prst="rect">
-            <a:avLst/>
-          </a:prstGeom>
-        </p:spPr>
-      </p:pic>
-    </p:spTree>
-    <p:extLst>
-      <p:ext uri="{BB962C8B-B14F-4D97-AF65-F5344CB8AC3E}">
-        <p14:creationId xmlns:p14="http://schemas.microsoft.com/office/powerpoint/2010/main" val="523377160"/>
-      </p:ext>
-    </p:extLst>
-  </p:cSld>
-  <p:clrMapOvr>
-    <a:masterClrMapping/>
-  </p:clrMapOvr>
-  <p:timing>
-    <p:tnLst>
-      <p:par>
-        <p:cTn id="1" dur="indefinite" restart="never" nodeType="tmRoot"/>
-      </p:par>
-    </p:tnLst>
-  </p:timing>
-</p:sld>
-</file>
-
-<file path=ppt/slides/slide18.xml><?xml version="1.0" encoding="utf-8"?>
-<p:sld xmlns:a="http://schemas.openxmlformats.org/drawingml/2006/main" xmlns:r="http://schemas.openxmlformats.org/officeDocument/2006/relationships" xmlns:p="http://schemas.openxmlformats.org/presentationml/2006/main">
-  <p:cSld>
-    <p:spTree>
-      <p:nvGrpSpPr>
-        <p:cNvPr id="1" name=""/>
-        <p:cNvGrpSpPr/>
-        <p:nvPr/>
-      </p:nvGrpSpPr>
-      <p:grpSpPr>
-        <a:xfrm>
-          <a:off x="0" y="0"/>
-          <a:ext cx="0" cy="0"/>
-          <a:chOff x="0" y="0"/>
-          <a:chExt cx="0" cy="0"/>
-        </a:xfrm>
-      </p:grpSpPr>
-      <p:pic>
-        <p:nvPicPr>
-          <p:cNvPr id="5" name="图片 4"/>
+          <p:cNvPr id="2" name="图片 1"/>
           <p:cNvPicPr>
             <a:picLocks noChangeAspect="1"/>
           </p:cNvPicPr>
